--- a/과제/브리핑.pptx
+++ b/과제/브리핑.pptx
@@ -22,22 +22,23 @@
     <p:sldId id="274" r:id="rId16"/>
     <p:sldId id="275" r:id="rId17"/>
     <p:sldId id="276" r:id="rId18"/>
-    <p:sldId id="277" r:id="rId19"/>
-    <p:sldId id="278" r:id="rId20"/>
-    <p:sldId id="279" r:id="rId21"/>
-    <p:sldId id="280" r:id="rId22"/>
-    <p:sldId id="281" r:id="rId23"/>
-    <p:sldId id="282" r:id="rId24"/>
-    <p:sldId id="283" r:id="rId25"/>
-    <p:sldId id="284" r:id="rId26"/>
-    <p:sldId id="285" r:id="rId27"/>
-    <p:sldId id="286" r:id="rId28"/>
-    <p:sldId id="293" r:id="rId29"/>
-    <p:sldId id="287" r:id="rId30"/>
-    <p:sldId id="288" r:id="rId31"/>
-    <p:sldId id="289" r:id="rId32"/>
-    <p:sldId id="290" r:id="rId33"/>
-    <p:sldId id="292" r:id="rId34"/>
+    <p:sldId id="294" r:id="rId19"/>
+    <p:sldId id="277" r:id="rId20"/>
+    <p:sldId id="278" r:id="rId21"/>
+    <p:sldId id="279" r:id="rId22"/>
+    <p:sldId id="280" r:id="rId23"/>
+    <p:sldId id="281" r:id="rId24"/>
+    <p:sldId id="282" r:id="rId25"/>
+    <p:sldId id="283" r:id="rId26"/>
+    <p:sldId id="284" r:id="rId27"/>
+    <p:sldId id="285" r:id="rId28"/>
+    <p:sldId id="286" r:id="rId29"/>
+    <p:sldId id="293" r:id="rId30"/>
+    <p:sldId id="287" r:id="rId31"/>
+    <p:sldId id="288" r:id="rId32"/>
+    <p:sldId id="289" r:id="rId33"/>
+    <p:sldId id="290" r:id="rId34"/>
+    <p:sldId id="292" r:id="rId35"/>
   </p:sldIdLst>
   <p:sldSz cx="9144000" cy="6858000" type="screen4x3"/>
   <p:notesSz cx="6858000" cy="9144000"/>
@@ -1212,7 +1213,7 @@
             <a:fld id="{33ACF524-1611-4733-AFC3-185BB074B275}" type="datetimeFigureOut">
               <a:rPr lang="ko-KR" altLang="en-US" smtClean="0"/>
               <a:pPr/>
-              <a:t>2017-07-10</a:t>
+              <a:t>2017-07-11</a:t>
             </a:fld>
             <a:endParaRPr lang="ko-KR" altLang="en-US"/>
           </a:p>
@@ -1601,7 +1602,11 @@
           <a:p>
             <a:r>
               <a:rPr lang="en-US" altLang="ko-KR" dirty="0" smtClean="0"/>
-              <a:t>HTML + CSS </a:t>
+              <a:t>HTML + </a:t>
+            </a:r>
+            <a:r>
+              <a:rPr lang="en-US" altLang="ko-KR" dirty="0" smtClean="0"/>
+              <a:t>CSS </a:t>
             </a:r>
             <a:r>
               <a:rPr lang="ko-KR" altLang="en-US" dirty="0" smtClean="0"/>
@@ -3523,7 +3528,7 @@
           <a:blip r:embed="rId3">
             <a:extLst>
               <a:ext uri="{28A0092B-C50C-407E-A947-70E740481C1C}">
-                <a14:useLocalDpi xmlns:a14="http://schemas.microsoft.com/office/drawing/2010/main"/>
+                <a14:useLocalDpi xmlns:a14="http://schemas.microsoft.com/office/drawing/2010/main" val="0"/>
               </a:ext>
             </a:extLst>
           </a:blip>
@@ -3533,8 +3538,8 @@
         </p:blipFill>
         <p:spPr>
           <a:xfrm>
-            <a:off x="932942" y="1556792"/>
-            <a:ext cx="6756748" cy="1224136"/>
+            <a:off x="965740" y="1556792"/>
+            <a:ext cx="6691151" cy="1224136"/>
           </a:xfrm>
           <a:prstGeom prst="rect">
             <a:avLst/>
@@ -3593,38 +3598,8 @@
         </p:blipFill>
         <p:spPr>
           <a:xfrm>
-            <a:off x="4554896" y="2852936"/>
-            <a:ext cx="3113448" cy="1152127"/>
-          </a:xfrm>
-          <a:prstGeom prst="rect">
-            <a:avLst/>
-          </a:prstGeom>
-        </p:spPr>
-      </p:pic>
-      <p:pic>
-        <p:nvPicPr>
-          <p:cNvPr id="8" name="그림 7"/>
-          <p:cNvPicPr>
-            <a:picLocks noChangeAspect="1"/>
-          </p:cNvPicPr>
-          <p:nvPr/>
-        </p:nvPicPr>
-        <p:blipFill>
-          <a:blip r:embed="rId6">
-            <a:extLst>
-              <a:ext uri="{28A0092B-C50C-407E-A947-70E740481C1C}">
-                <a14:useLocalDpi xmlns:a14="http://schemas.microsoft.com/office/drawing/2010/main"/>
-              </a:ext>
-            </a:extLst>
-          </a:blip>
-          <a:stretch>
-            <a:fillRect/>
-          </a:stretch>
-        </p:blipFill>
-        <p:spPr>
-          <a:xfrm>
-            <a:off x="5625548" y="4090426"/>
-            <a:ext cx="2042796" cy="1382251"/>
+            <a:off x="4145721" y="4162806"/>
+            <a:ext cx="3539727" cy="1309871"/>
           </a:xfrm>
           <a:prstGeom prst="rect">
             <a:avLst/>
@@ -3842,66 +3817,6 @@
           </a:prstGeom>
         </p:spPr>
       </p:pic>
-      <p:pic>
-        <p:nvPicPr>
-          <p:cNvPr id="9" name="그림 8"/>
-          <p:cNvPicPr>
-            <a:picLocks noChangeAspect="1"/>
-          </p:cNvPicPr>
-          <p:nvPr/>
-        </p:nvPicPr>
-        <p:blipFill>
-          <a:blip r:embed="rId3">
-            <a:extLst>
-              <a:ext uri="{28A0092B-C50C-407E-A947-70E740481C1C}">
-                <a14:useLocalDpi xmlns:a14="http://schemas.microsoft.com/office/drawing/2010/main"/>
-              </a:ext>
-            </a:extLst>
-          </a:blip>
-          <a:stretch>
-            <a:fillRect/>
-          </a:stretch>
-        </p:blipFill>
-        <p:spPr>
-          <a:xfrm>
-            <a:off x="968816" y="3429000"/>
-            <a:ext cx="3182890" cy="2520280"/>
-          </a:xfrm>
-          <a:prstGeom prst="rect">
-            <a:avLst/>
-          </a:prstGeom>
-        </p:spPr>
-      </p:pic>
-      <p:pic>
-        <p:nvPicPr>
-          <p:cNvPr id="10" name="그림 9"/>
-          <p:cNvPicPr>
-            <a:picLocks noChangeAspect="1"/>
-          </p:cNvPicPr>
-          <p:nvPr/>
-        </p:nvPicPr>
-        <p:blipFill>
-          <a:blip r:embed="rId4">
-            <a:extLst>
-              <a:ext uri="{28A0092B-C50C-407E-A947-70E740481C1C}">
-                <a14:useLocalDpi xmlns:a14="http://schemas.microsoft.com/office/drawing/2010/main"/>
-              </a:ext>
-            </a:extLst>
-          </a:blip>
-          <a:stretch>
-            <a:fillRect/>
-          </a:stretch>
-        </p:blipFill>
-        <p:spPr>
-          <a:xfrm>
-            <a:off x="5345869" y="3429000"/>
-            <a:ext cx="2891538" cy="2520499"/>
-          </a:xfrm>
-          <a:prstGeom prst="rect">
-            <a:avLst/>
-          </a:prstGeom>
-        </p:spPr>
-      </p:pic>
       <p:sp>
         <p:nvSpPr>
           <p:cNvPr id="11" name="직사각형 10"/>
@@ -3911,7 +3826,7 @@
         <p:spPr>
           <a:xfrm>
             <a:off x="989384" y="908719"/>
-            <a:ext cx="2358480" cy="1033607"/>
+            <a:ext cx="7248022" cy="2067215"/>
           </a:xfrm>
           <a:prstGeom prst="rect">
             <a:avLst/>
@@ -3948,10 +3863,70 @@
           </a:p>
         </p:txBody>
       </p:sp>
+      <p:pic>
+        <p:nvPicPr>
+          <p:cNvPr id="3" name="그림 2"/>
+          <p:cNvPicPr>
+            <a:picLocks noChangeAspect="1"/>
+          </p:cNvPicPr>
+          <p:nvPr/>
+        </p:nvPicPr>
+        <p:blipFill>
+          <a:blip r:embed="rId3">
+            <a:extLst>
+              <a:ext uri="{28A0092B-C50C-407E-A947-70E740481C1C}">
+                <a14:useLocalDpi xmlns:a14="http://schemas.microsoft.com/office/drawing/2010/main" val="0"/>
+              </a:ext>
+            </a:extLst>
+          </a:blip>
+          <a:stretch>
+            <a:fillRect/>
+          </a:stretch>
+        </p:blipFill>
+        <p:spPr>
+          <a:xfrm>
+            <a:off x="961602" y="3356993"/>
+            <a:ext cx="5149884" cy="2866022"/>
+          </a:xfrm>
+          <a:prstGeom prst="rect">
+            <a:avLst/>
+          </a:prstGeom>
+        </p:spPr>
+      </p:pic>
+      <p:pic>
+        <p:nvPicPr>
+          <p:cNvPr id="8" name="그림 7"/>
+          <p:cNvPicPr>
+            <a:picLocks noChangeAspect="1"/>
+          </p:cNvPicPr>
+          <p:nvPr/>
+        </p:nvPicPr>
+        <p:blipFill>
+          <a:blip r:embed="rId4">
+            <a:extLst>
+              <a:ext uri="{28A0092B-C50C-407E-A947-70E740481C1C}">
+                <a14:useLocalDpi xmlns:a14="http://schemas.microsoft.com/office/drawing/2010/main"/>
+              </a:ext>
+            </a:extLst>
+          </a:blip>
+          <a:stretch>
+            <a:fillRect/>
+          </a:stretch>
+        </p:blipFill>
+        <p:spPr>
+          <a:xfrm>
+            <a:off x="6188152" y="4840764"/>
+            <a:ext cx="2042796" cy="1382251"/>
+          </a:xfrm>
+          <a:prstGeom prst="rect">
+            <a:avLst/>
+          </a:prstGeom>
+        </p:spPr>
+      </p:pic>
     </p:spTree>
     <p:extLst>
       <p:ext uri="{BB962C8B-B14F-4D97-AF65-F5344CB8AC3E}">
-        <p14:creationId xmlns:p14="http://schemas.microsoft.com/office/powerpoint/2010/main" val="3808684925"/>
+        <p14:creationId xmlns:p14="http://schemas.microsoft.com/office/powerpoint/2010/main" val="43340863"/>
       </p:ext>
     </p:extLst>
   </p:cSld>
@@ -3993,60 +3968,6 @@
                                         </p:cTn>
                                         <p:tgtEl>
                                           <p:spTgt spid="11"/>
-                                        </p:tgtEl>
-                                        <p:attrNameLst>
-                                          <p:attrName>style.visibility</p:attrName>
-                                        </p:attrNameLst>
-                                      </p:cBhvr>
-                                      <p:to>
-                                        <p:strVal val="visible"/>
-                                      </p:to>
-                                    </p:set>
-                                  </p:childTnLst>
-                                </p:cTn>
-                              </p:par>
-                              <p:par>
-                                <p:cTn id="7" presetID="1" presetClass="entr" presetSubtype="0" fill="hold" nodeType="withEffect">
-                                  <p:stCondLst>
-                                    <p:cond delay="0"/>
-                                  </p:stCondLst>
-                                  <p:childTnLst>
-                                    <p:set>
-                                      <p:cBhvr>
-                                        <p:cTn id="8" dur="1" fill="hold">
-                                          <p:stCondLst>
-                                            <p:cond delay="0"/>
-                                          </p:stCondLst>
-                                        </p:cTn>
-                                        <p:tgtEl>
-                                          <p:spTgt spid="9"/>
-                                        </p:tgtEl>
-                                        <p:attrNameLst>
-                                          <p:attrName>style.visibility</p:attrName>
-                                        </p:attrNameLst>
-                                      </p:cBhvr>
-                                      <p:to>
-                                        <p:strVal val="visible"/>
-                                      </p:to>
-                                    </p:set>
-                                  </p:childTnLst>
-                                </p:cTn>
-                              </p:par>
-                              <p:par>
-                                <p:cTn id="9" presetID="1" presetClass="entr" presetSubtype="0" fill="hold" nodeType="withEffect">
-                                  <p:stCondLst>
-                                    <p:cond delay="0"/>
-                                  </p:stCondLst>
-                                  <p:childTnLst>
-                                    <p:set>
-                                      <p:cBhvr>
-                                        <p:cTn id="10" dur="1" fill="hold">
-                                          <p:stCondLst>
-                                            <p:cond delay="0"/>
-                                          </p:stCondLst>
-                                        </p:cTn>
-                                        <p:tgtEl>
-                                          <p:spTgt spid="10"/>
                                         </p:tgtEl>
                                         <p:attrNameLst>
                                           <p:attrName>style.visibility</p:attrName>
@@ -4167,6 +4088,294 @@
           </a:prstGeom>
         </p:spPr>
       </p:pic>
+      <p:pic>
+        <p:nvPicPr>
+          <p:cNvPr id="9" name="그림 8"/>
+          <p:cNvPicPr>
+            <a:picLocks noChangeAspect="1"/>
+          </p:cNvPicPr>
+          <p:nvPr/>
+        </p:nvPicPr>
+        <p:blipFill>
+          <a:blip r:embed="rId3">
+            <a:extLst>
+              <a:ext uri="{28A0092B-C50C-407E-A947-70E740481C1C}">
+                <a14:useLocalDpi xmlns:a14="http://schemas.microsoft.com/office/drawing/2010/main"/>
+              </a:ext>
+            </a:extLst>
+          </a:blip>
+          <a:stretch>
+            <a:fillRect/>
+          </a:stretch>
+        </p:blipFill>
+        <p:spPr>
+          <a:xfrm>
+            <a:off x="968816" y="3429000"/>
+            <a:ext cx="3182890" cy="2520280"/>
+          </a:xfrm>
+          <a:prstGeom prst="rect">
+            <a:avLst/>
+          </a:prstGeom>
+        </p:spPr>
+      </p:pic>
+      <p:pic>
+        <p:nvPicPr>
+          <p:cNvPr id="10" name="그림 9"/>
+          <p:cNvPicPr>
+            <a:picLocks noChangeAspect="1"/>
+          </p:cNvPicPr>
+          <p:nvPr/>
+        </p:nvPicPr>
+        <p:blipFill>
+          <a:blip r:embed="rId4">
+            <a:extLst>
+              <a:ext uri="{28A0092B-C50C-407E-A947-70E740481C1C}">
+                <a14:useLocalDpi xmlns:a14="http://schemas.microsoft.com/office/drawing/2010/main"/>
+              </a:ext>
+            </a:extLst>
+          </a:blip>
+          <a:stretch>
+            <a:fillRect/>
+          </a:stretch>
+        </p:blipFill>
+        <p:spPr>
+          <a:xfrm>
+            <a:off x="5345869" y="3429000"/>
+            <a:ext cx="2891538" cy="2520499"/>
+          </a:xfrm>
+          <a:prstGeom prst="rect">
+            <a:avLst/>
+          </a:prstGeom>
+        </p:spPr>
+      </p:pic>
+      <p:sp>
+        <p:nvSpPr>
+          <p:cNvPr id="11" name="직사각형 10"/>
+          <p:cNvSpPr/>
+          <p:nvPr/>
+        </p:nvSpPr>
+        <p:spPr>
+          <a:xfrm>
+            <a:off x="989384" y="908719"/>
+            <a:ext cx="2358480" cy="1033607"/>
+          </a:xfrm>
+          <a:prstGeom prst="rect">
+            <a:avLst/>
+          </a:prstGeom>
+          <a:noFill/>
+          <a:ln w="38100">
+            <a:solidFill>
+              <a:srgbClr val="C00000"/>
+            </a:solidFill>
+          </a:ln>
+        </p:spPr>
+        <p:style>
+          <a:lnRef idx="2">
+            <a:schemeClr val="accent1">
+              <a:shade val="50000"/>
+            </a:schemeClr>
+          </a:lnRef>
+          <a:fillRef idx="1">
+            <a:schemeClr val="accent1"/>
+          </a:fillRef>
+          <a:effectRef idx="0">
+            <a:schemeClr val="accent1"/>
+          </a:effectRef>
+          <a:fontRef idx="minor">
+            <a:schemeClr val="lt1"/>
+          </a:fontRef>
+        </p:style>
+        <p:txBody>
+          <a:bodyPr rtlCol="0" anchor="ctr"/>
+          <a:lstStyle/>
+          <a:p>
+            <a:pPr algn="ctr"/>
+            <a:endParaRPr lang="ko-KR" altLang="en-US"/>
+          </a:p>
+        </p:txBody>
+      </p:sp>
+    </p:spTree>
+    <p:extLst>
+      <p:ext uri="{BB962C8B-B14F-4D97-AF65-F5344CB8AC3E}">
+        <p14:creationId xmlns:p14="http://schemas.microsoft.com/office/powerpoint/2010/main" val="3808684925"/>
+      </p:ext>
+    </p:extLst>
+  </p:cSld>
+  <p:clrMapOvr>
+    <a:masterClrMapping/>
+  </p:clrMapOvr>
+  <p:timing>
+    <p:tnLst>
+      <p:par>
+        <p:cTn id="1" dur="indefinite" restart="never" nodeType="tmRoot"/>
+      </p:par>
+    </p:tnLst>
+  </p:timing>
+</p:sld>
+</file>
+
+<file path=ppt/slides/slide2.xml><?xml version="1.0" encoding="utf-8"?>
+<p:sld xmlns:a="http://schemas.openxmlformats.org/drawingml/2006/main" xmlns:r="http://schemas.openxmlformats.org/officeDocument/2006/relationships" xmlns:p="http://schemas.openxmlformats.org/presentationml/2006/main">
+  <p:cSld>
+    <p:spTree>
+      <p:nvGrpSpPr>
+        <p:cNvPr id="1" name=""/>
+        <p:cNvGrpSpPr/>
+        <p:nvPr/>
+      </p:nvGrpSpPr>
+      <p:grpSpPr>
+        <a:xfrm>
+          <a:off x="0" y="0"/>
+          <a:ext cx="0" cy="0"/>
+          <a:chOff x="0" y="0"/>
+          <a:chExt cx="0" cy="0"/>
+        </a:xfrm>
+      </p:grpSpPr>
+      <p:sp>
+        <p:nvSpPr>
+          <p:cNvPr id="2" name="제목 1"/>
+          <p:cNvSpPr>
+            <a:spLocks noGrp="1"/>
+          </p:cNvSpPr>
+          <p:nvPr>
+            <p:ph type="title"/>
+          </p:nvPr>
+        </p:nvSpPr>
+        <p:spPr/>
+        <p:txBody>
+          <a:bodyPr/>
+          <a:lstStyle/>
+          <a:p>
+            <a:r>
+              <a:rPr lang="en-US" altLang="ko-KR" dirty="0" smtClean="0"/>
+              <a:t>1</a:t>
+            </a:r>
+            <a:r>
+              <a:rPr lang="ko-KR" altLang="en-US" dirty="0" smtClean="0"/>
+              <a:t>주차 첫 번째</a:t>
+            </a:r>
+            <a:endParaRPr lang="ko-KR" altLang="en-US" dirty="0"/>
+          </a:p>
+        </p:txBody>
+      </p:sp>
+      <p:pic>
+        <p:nvPicPr>
+          <p:cNvPr id="3" name="그림 2"/>
+          <p:cNvPicPr>
+            <a:picLocks noChangeAspect="1"/>
+          </p:cNvPicPr>
+          <p:nvPr/>
+        </p:nvPicPr>
+        <p:blipFill rotWithShape="1">
+          <a:blip r:embed="rId2" cstate="print">
+            <a:extLst>
+              <a:ext uri="{28A0092B-C50C-407E-A947-70E740481C1C}">
+                <a14:useLocalDpi xmlns:a14="http://schemas.microsoft.com/office/drawing/2010/main" val="0"/>
+              </a:ext>
+            </a:extLst>
+          </a:blip>
+          <a:srcRect/>
+          <a:stretch/>
+        </p:blipFill>
+        <p:spPr>
+          <a:xfrm>
+            <a:off x="1068085" y="1196752"/>
+            <a:ext cx="7007830" cy="5472608"/>
+          </a:xfrm>
+          <a:prstGeom prst="rect">
+            <a:avLst/>
+          </a:prstGeom>
+        </p:spPr>
+      </p:pic>
+    </p:spTree>
+  </p:cSld>
+  <p:clrMapOvr>
+    <a:masterClrMapping/>
+  </p:clrMapOvr>
+  <p:timing>
+    <p:tnLst>
+      <p:par>
+        <p:cTn id="1" dur="indefinite" restart="never" nodeType="tmRoot"/>
+      </p:par>
+    </p:tnLst>
+  </p:timing>
+</p:sld>
+</file>
+
+<file path=ppt/slides/slide20.xml><?xml version="1.0" encoding="utf-8"?>
+<p:sld xmlns:a="http://schemas.openxmlformats.org/drawingml/2006/main" xmlns:r="http://schemas.openxmlformats.org/officeDocument/2006/relationships" xmlns:p="http://schemas.openxmlformats.org/presentationml/2006/main">
+  <p:cSld>
+    <p:spTree>
+      <p:nvGrpSpPr>
+        <p:cNvPr id="1" name=""/>
+        <p:cNvGrpSpPr/>
+        <p:nvPr/>
+      </p:nvGrpSpPr>
+      <p:grpSpPr>
+        <a:xfrm>
+          <a:off x="0" y="0"/>
+          <a:ext cx="0" cy="0"/>
+          <a:chOff x="0" y="0"/>
+          <a:chExt cx="0" cy="0"/>
+        </a:xfrm>
+      </p:grpSpPr>
+      <p:sp>
+        <p:nvSpPr>
+          <p:cNvPr id="2" name="제목 1"/>
+          <p:cNvSpPr>
+            <a:spLocks noGrp="1"/>
+          </p:cNvSpPr>
+          <p:nvPr>
+            <p:ph type="title"/>
+          </p:nvPr>
+        </p:nvSpPr>
+        <p:spPr/>
+        <p:txBody>
+          <a:bodyPr/>
+          <a:lstStyle/>
+          <a:p>
+            <a:r>
+              <a:rPr lang="en-US" altLang="ko-KR" dirty="0" smtClean="0"/>
+              <a:t>2</a:t>
+            </a:r>
+            <a:r>
+              <a:rPr lang="ko-KR" altLang="en-US" dirty="0" smtClean="0"/>
+              <a:t>주차 첫 번째</a:t>
+            </a:r>
+            <a:endParaRPr lang="ko-KR" altLang="en-US" dirty="0"/>
+          </a:p>
+        </p:txBody>
+      </p:sp>
+      <p:pic>
+        <p:nvPicPr>
+          <p:cNvPr id="4" name="그림 3"/>
+          <p:cNvPicPr>
+            <a:picLocks noChangeAspect="1"/>
+          </p:cNvPicPr>
+          <p:nvPr/>
+        </p:nvPicPr>
+        <p:blipFill>
+          <a:blip r:embed="rId2">
+            <a:extLst>
+              <a:ext uri="{28A0092B-C50C-407E-A947-70E740481C1C}">
+                <a14:useLocalDpi xmlns:a14="http://schemas.microsoft.com/office/drawing/2010/main"/>
+              </a:ext>
+            </a:extLst>
+          </a:blip>
+          <a:stretch>
+            <a:fillRect/>
+          </a:stretch>
+        </p:blipFill>
+        <p:spPr>
+          <a:xfrm>
+            <a:off x="968816" y="908720"/>
+            <a:ext cx="7268590" cy="2067214"/>
+          </a:xfrm>
+          <a:prstGeom prst="rect">
+            <a:avLst/>
+          </a:prstGeom>
+        </p:spPr>
+      </p:pic>
       <p:sp>
         <p:nvSpPr>
           <p:cNvPr id="11" name="직사각형 10"/>
@@ -4281,7 +4490,7 @@
         </p:nvSpPr>
         <p:spPr>
           <a:xfrm>
-            <a:off x="4427984" y="2018525"/>
+            <a:off x="4841088" y="1052736"/>
             <a:ext cx="315403" cy="690395"/>
           </a:xfrm>
           <a:prstGeom prst="rect">
@@ -4328,6 +4537,98 @@
         <p:spPr>
           <a:xfrm>
             <a:off x="5664160" y="2019258"/>
+            <a:ext cx="315403" cy="690395"/>
+          </a:xfrm>
+          <a:prstGeom prst="rect">
+            <a:avLst/>
+          </a:prstGeom>
+          <a:noFill/>
+          <a:ln w="38100">
+            <a:solidFill>
+              <a:srgbClr val="C00000"/>
+            </a:solidFill>
+          </a:ln>
+        </p:spPr>
+        <p:style>
+          <a:lnRef idx="2">
+            <a:schemeClr val="accent1">
+              <a:shade val="50000"/>
+            </a:schemeClr>
+          </a:lnRef>
+          <a:fillRef idx="1">
+            <a:schemeClr val="accent1"/>
+          </a:fillRef>
+          <a:effectRef idx="0">
+            <a:schemeClr val="accent1"/>
+          </a:effectRef>
+          <a:fontRef idx="minor">
+            <a:schemeClr val="lt1"/>
+          </a:fontRef>
+        </p:style>
+        <p:txBody>
+          <a:bodyPr rtlCol="0" anchor="ctr"/>
+          <a:lstStyle/>
+          <a:p>
+            <a:pPr algn="ctr"/>
+            <a:endParaRPr lang="ko-KR" altLang="en-US"/>
+          </a:p>
+        </p:txBody>
+      </p:sp>
+      <p:sp>
+        <p:nvSpPr>
+          <p:cNvPr id="9" name="직사각형 8"/>
+          <p:cNvSpPr/>
+          <p:nvPr/>
+        </p:nvSpPr>
+        <p:spPr>
+          <a:xfrm>
+            <a:off x="6444208" y="1060230"/>
+            <a:ext cx="315403" cy="690395"/>
+          </a:xfrm>
+          <a:prstGeom prst="rect">
+            <a:avLst/>
+          </a:prstGeom>
+          <a:noFill/>
+          <a:ln w="38100">
+            <a:solidFill>
+              <a:srgbClr val="C00000"/>
+            </a:solidFill>
+          </a:ln>
+        </p:spPr>
+        <p:style>
+          <a:lnRef idx="2">
+            <a:schemeClr val="accent1">
+              <a:shade val="50000"/>
+            </a:schemeClr>
+          </a:lnRef>
+          <a:fillRef idx="1">
+            <a:schemeClr val="accent1"/>
+          </a:fillRef>
+          <a:effectRef idx="0">
+            <a:schemeClr val="accent1"/>
+          </a:effectRef>
+          <a:fontRef idx="minor">
+            <a:schemeClr val="lt1"/>
+          </a:fontRef>
+        </p:style>
+        <p:txBody>
+          <a:bodyPr rtlCol="0" anchor="ctr"/>
+          <a:lstStyle/>
+          <a:p>
+            <a:pPr algn="ctr"/>
+            <a:endParaRPr lang="ko-KR" altLang="en-US"/>
+          </a:p>
+        </p:txBody>
+      </p:sp>
+      <p:sp>
+        <p:nvSpPr>
+          <p:cNvPr id="10" name="직사각형 9"/>
+          <p:cNvSpPr/>
+          <p:nvPr/>
+        </p:nvSpPr>
+        <p:spPr>
+          <a:xfrm>
+            <a:off x="4445409" y="2019257"/>
             <a:ext cx="315403" cy="690395"/>
           </a:xfrm>
           <a:prstGeom prst="rect">
@@ -4396,7 +4697,7 @@
                             </p:stCondLst>
                             <p:childTnLst>
                               <p:par>
-                                <p:cTn id="5" presetID="1" presetClass="entr" presetSubtype="0" fill="hold" grpId="0" nodeType="clickEffect">
+                                <p:cTn id="5" presetID="1" presetClass="exit" presetSubtype="0" fill="hold" grpId="1" nodeType="clickEffect">
                                   <p:stCondLst>
                                     <p:cond delay="0"/>
                                   </p:stCondLst>
@@ -4416,14 +4717,14 @@
                                         </p:attrNameLst>
                                       </p:cBhvr>
                                       <p:to>
-                                        <p:strVal val="visible"/>
+                                        <p:strVal val="hidden"/>
                                       </p:to>
                                     </p:set>
                                   </p:childTnLst>
                                 </p:cTn>
                               </p:par>
                               <p:par>
-                                <p:cTn id="7" presetID="1" presetClass="entr" presetSubtype="0" fill="hold" nodeType="withEffect">
+                                <p:cTn id="7" presetID="1" presetClass="entr" presetSubtype="0" fill="hold" grpId="0" nodeType="withEffect">
                                   <p:stCondLst>
                                     <p:cond delay="0"/>
                                   </p:stCondLst>
@@ -4431,105 +4732,6 @@
                                     <p:set>
                                       <p:cBhvr>
                                         <p:cTn id="8" dur="1" fill="hold">
-                                          <p:stCondLst>
-                                            <p:cond delay="0"/>
-                                          </p:stCondLst>
-                                        </p:cTn>
-                                        <p:tgtEl>
-                                          <p:spTgt spid="3"/>
-                                        </p:tgtEl>
-                                        <p:attrNameLst>
-                                          <p:attrName>style.visibility</p:attrName>
-                                        </p:attrNameLst>
-                                      </p:cBhvr>
-                                      <p:to>
-                                        <p:strVal val="visible"/>
-                                      </p:to>
-                                    </p:set>
-                                  </p:childTnLst>
-                                </p:cTn>
-                              </p:par>
-                              <p:par>
-                                <p:cTn id="9" presetID="1" presetClass="entr" presetSubtype="0" fill="hold" nodeType="withEffect">
-                                  <p:stCondLst>
-                                    <p:cond delay="0"/>
-                                  </p:stCondLst>
-                                  <p:childTnLst>
-                                    <p:set>
-                                      <p:cBhvr>
-                                        <p:cTn id="10" dur="1" fill="hold">
-                                          <p:stCondLst>
-                                            <p:cond delay="0"/>
-                                          </p:stCondLst>
-                                        </p:cTn>
-                                        <p:tgtEl>
-                                          <p:spTgt spid="5"/>
-                                        </p:tgtEl>
-                                        <p:attrNameLst>
-                                          <p:attrName>style.visibility</p:attrName>
-                                        </p:attrNameLst>
-                                      </p:cBhvr>
-                                      <p:to>
-                                        <p:strVal val="visible"/>
-                                      </p:to>
-                                    </p:set>
-                                  </p:childTnLst>
-                                </p:cTn>
-                              </p:par>
-                            </p:childTnLst>
-                          </p:cTn>
-                        </p:par>
-                      </p:childTnLst>
-                    </p:cTn>
-                  </p:par>
-                  <p:par>
-                    <p:cTn id="11" fill="hold">
-                      <p:stCondLst>
-                        <p:cond delay="indefinite"/>
-                      </p:stCondLst>
-                      <p:childTnLst>
-                        <p:par>
-                          <p:cTn id="12" fill="hold">
-                            <p:stCondLst>
-                              <p:cond delay="0"/>
-                            </p:stCondLst>
-                            <p:childTnLst>
-                              <p:par>
-                                <p:cTn id="13" presetID="1" presetClass="exit" presetSubtype="0" fill="hold" grpId="1" nodeType="clickEffect">
-                                  <p:stCondLst>
-                                    <p:cond delay="0"/>
-                                  </p:stCondLst>
-                                  <p:childTnLst>
-                                    <p:set>
-                                      <p:cBhvr>
-                                        <p:cTn id="14" dur="1" fill="hold">
-                                          <p:stCondLst>
-                                            <p:cond delay="0"/>
-                                          </p:stCondLst>
-                                        </p:cTn>
-                                        <p:tgtEl>
-                                          <p:spTgt spid="11"/>
-                                        </p:tgtEl>
-                                        <p:attrNameLst>
-                                          <p:attrName>style.visibility</p:attrName>
-                                        </p:attrNameLst>
-                                      </p:cBhvr>
-                                      <p:to>
-                                        <p:strVal val="hidden"/>
-                                      </p:to>
-                                    </p:set>
-                                  </p:childTnLst>
-                                </p:cTn>
-                              </p:par>
-                              <p:par>
-                                <p:cTn id="15" presetID="1" presetClass="entr" presetSubtype="0" fill="hold" grpId="0" nodeType="withEffect">
-                                  <p:stCondLst>
-                                    <p:cond delay="0"/>
-                                  </p:stCondLst>
-                                  <p:childTnLst>
-                                    <p:set>
-                                      <p:cBhvr>
-                                        <p:cTn id="16" dur="1" fill="hold">
                                           <p:stCondLst>
                                             <p:cond delay="0"/>
                                           </p:stCondLst>
@@ -4549,20 +4751,74 @@
                                 </p:cTn>
                               </p:par>
                               <p:par>
-                                <p:cTn id="17" presetID="1" presetClass="entr" presetSubtype="0" fill="hold" grpId="0" nodeType="withEffect">
+                                <p:cTn id="9" presetID="1" presetClass="entr" presetSubtype="0" fill="hold" grpId="0" nodeType="withEffect">
                                   <p:stCondLst>
                                     <p:cond delay="0"/>
                                   </p:stCondLst>
                                   <p:childTnLst>
                                     <p:set>
                                       <p:cBhvr>
-                                        <p:cTn id="18" dur="1" fill="hold">
+                                        <p:cTn id="10" dur="1" fill="hold">
                                           <p:stCondLst>
                                             <p:cond delay="0"/>
                                           </p:stCondLst>
                                         </p:cTn>
                                         <p:tgtEl>
                                           <p:spTgt spid="8"/>
+                                        </p:tgtEl>
+                                        <p:attrNameLst>
+                                          <p:attrName>style.visibility</p:attrName>
+                                        </p:attrNameLst>
+                                      </p:cBhvr>
+                                      <p:to>
+                                        <p:strVal val="visible"/>
+                                      </p:to>
+                                    </p:set>
+                                  </p:childTnLst>
+                                </p:cTn>
+                              </p:par>
+                              <p:par>
+                                <p:cTn id="11" presetID="1" presetClass="entr" presetSubtype="0" fill="hold" grpId="0" nodeType="withEffect">
+                                  <p:stCondLst>
+                                    <p:cond delay="0"/>
+                                  </p:stCondLst>
+                                  <p:childTnLst>
+                                    <p:set>
+                                      <p:cBhvr>
+                                        <p:cTn id="12" dur="1" fill="hold">
+                                          <p:stCondLst>
+                                            <p:cond delay="0"/>
+                                          </p:stCondLst>
+                                        </p:cTn>
+                                        <p:tgtEl>
+                                          <p:spTgt spid="9"/>
+                                        </p:tgtEl>
+                                        <p:attrNameLst>
+                                          <p:attrName>style.visibility</p:attrName>
+                                        </p:attrNameLst>
+                                      </p:cBhvr>
+                                      <p:to>
+                                        <p:strVal val="visible"/>
+                                      </p:to>
+                                    </p:set>
+                                  </p:childTnLst>
+                                </p:cTn>
+                              </p:par>
+                              <p:par>
+                                <p:cTn id="13" presetID="1" presetClass="entr" presetSubtype="0" fill="hold" grpId="0" nodeType="withEffect">
+                                  <p:stCondLst>
+                                    <p:cond delay="0"/>
+                                  </p:stCondLst>
+                                  <p:childTnLst>
+                                    <p:set>
+                                      <p:cBhvr>
+                                        <p:cTn id="14" dur="1" fill="hold">
+                                          <p:stCondLst>
+                                            <p:cond delay="0"/>
+                                          </p:stCondLst>
+                                        </p:cTn>
+                                        <p:tgtEl>
+                                          <p:spTgt spid="10"/>
                                         </p:tgtEl>
                                         <p:attrNameLst>
                                           <p:attrName>style.visibility</p:attrName>
@@ -4603,104 +4859,17 @@
       </p:par>
     </p:tnLst>
     <p:bldLst>
-      <p:bldP spid="11" grpId="0" animBg="1"/>
       <p:bldP spid="11" grpId="1" animBg="1"/>
       <p:bldP spid="7" grpId="0" animBg="1"/>
       <p:bldP spid="8" grpId="0" animBg="1"/>
+      <p:bldP spid="9" grpId="0" animBg="1"/>
+      <p:bldP spid="10" grpId="0" animBg="1"/>
     </p:bldLst>
   </p:timing>
 </p:sld>
 </file>
 
-<file path=ppt/slides/slide2.xml><?xml version="1.0" encoding="utf-8"?>
-<p:sld xmlns:a="http://schemas.openxmlformats.org/drawingml/2006/main" xmlns:r="http://schemas.openxmlformats.org/officeDocument/2006/relationships" xmlns:p="http://schemas.openxmlformats.org/presentationml/2006/main">
-  <p:cSld>
-    <p:spTree>
-      <p:nvGrpSpPr>
-        <p:cNvPr id="1" name=""/>
-        <p:cNvGrpSpPr/>
-        <p:nvPr/>
-      </p:nvGrpSpPr>
-      <p:grpSpPr>
-        <a:xfrm>
-          <a:off x="0" y="0"/>
-          <a:ext cx="0" cy="0"/>
-          <a:chOff x="0" y="0"/>
-          <a:chExt cx="0" cy="0"/>
-        </a:xfrm>
-      </p:grpSpPr>
-      <p:sp>
-        <p:nvSpPr>
-          <p:cNvPr id="2" name="제목 1"/>
-          <p:cNvSpPr>
-            <a:spLocks noGrp="1"/>
-          </p:cNvSpPr>
-          <p:nvPr>
-            <p:ph type="title"/>
-          </p:nvPr>
-        </p:nvSpPr>
-        <p:spPr/>
-        <p:txBody>
-          <a:bodyPr/>
-          <a:lstStyle/>
-          <a:p>
-            <a:r>
-              <a:rPr lang="en-US" altLang="ko-KR" dirty="0" smtClean="0"/>
-              <a:t>1</a:t>
-            </a:r>
-            <a:r>
-              <a:rPr lang="ko-KR" altLang="en-US" dirty="0" smtClean="0"/>
-              <a:t>주차 첫 번째</a:t>
-            </a:r>
-            <a:endParaRPr lang="ko-KR" altLang="en-US" dirty="0"/>
-          </a:p>
-        </p:txBody>
-      </p:sp>
-      <p:pic>
-        <p:nvPicPr>
-          <p:cNvPr id="3" name="그림 2"/>
-          <p:cNvPicPr>
-            <a:picLocks noChangeAspect="1"/>
-          </p:cNvPicPr>
-          <p:nvPr/>
-        </p:nvPicPr>
-        <p:blipFill rotWithShape="1">
-          <a:blip r:embed="rId2" cstate="print">
-            <a:extLst>
-              <a:ext uri="{28A0092B-C50C-407E-A947-70E740481C1C}">
-                <a14:useLocalDpi xmlns:a14="http://schemas.microsoft.com/office/drawing/2010/main" val="0"/>
-              </a:ext>
-            </a:extLst>
-          </a:blip>
-          <a:srcRect/>
-          <a:stretch/>
-        </p:blipFill>
-        <p:spPr>
-          <a:xfrm>
-            <a:off x="1068085" y="1196752"/>
-            <a:ext cx="7007830" cy="5472608"/>
-          </a:xfrm>
-          <a:prstGeom prst="rect">
-            <a:avLst/>
-          </a:prstGeom>
-        </p:spPr>
-      </p:pic>
-    </p:spTree>
-  </p:cSld>
-  <p:clrMapOvr>
-    <a:masterClrMapping/>
-  </p:clrMapOvr>
-  <p:timing>
-    <p:tnLst>
-      <p:par>
-        <p:cTn id="1" dur="indefinite" restart="never" nodeType="tmRoot"/>
-      </p:par>
-    </p:tnLst>
-  </p:timing>
-</p:sld>
-</file>
-
-<file path=ppt/slides/slide20.xml><?xml version="1.0" encoding="utf-8"?>
+<file path=ppt/slides/slide21.xml><?xml version="1.0" encoding="utf-8"?>
 <p:sld xmlns:a="http://schemas.openxmlformats.org/drawingml/2006/main" xmlns:r="http://schemas.openxmlformats.org/officeDocument/2006/relationships" xmlns:p="http://schemas.openxmlformats.org/presentationml/2006/main">
   <p:cSld>
     <p:spTree>
@@ -5100,7 +5269,7 @@
 </p:sld>
 </file>
 
-<file path=ppt/slides/slide21.xml><?xml version="1.0" encoding="utf-8"?>
+<file path=ppt/slides/slide22.xml><?xml version="1.0" encoding="utf-8"?>
 <p:sld xmlns:a="http://schemas.openxmlformats.org/drawingml/2006/main" xmlns:r="http://schemas.openxmlformats.org/officeDocument/2006/relationships" xmlns:p="http://schemas.openxmlformats.org/presentationml/2006/main">
   <p:cSld>
     <p:spTree>
@@ -5300,7 +5469,7 @@
 </p:sld>
 </file>
 
-<file path=ppt/slides/slide22.xml><?xml version="1.0" encoding="utf-8"?>
+<file path=ppt/slides/slide23.xml><?xml version="1.0" encoding="utf-8"?>
 <p:sld xmlns:a="http://schemas.openxmlformats.org/drawingml/2006/main" xmlns:r="http://schemas.openxmlformats.org/officeDocument/2006/relationships" xmlns:p="http://schemas.openxmlformats.org/presentationml/2006/main">
   <p:cSld>
     <p:spTree>
@@ -5625,7 +5794,7 @@
 </p:sld>
 </file>
 
-<file path=ppt/slides/slide23.xml><?xml version="1.0" encoding="utf-8"?>
+<file path=ppt/slides/slide24.xml><?xml version="1.0" encoding="utf-8"?>
 <p:sld xmlns:a="http://schemas.openxmlformats.org/drawingml/2006/main" xmlns:r="http://schemas.openxmlformats.org/officeDocument/2006/relationships" xmlns:p="http://schemas.openxmlformats.org/presentationml/2006/main">
   <p:cSld>
     <p:spTree>
@@ -5950,7 +6119,7 @@
 </p:sld>
 </file>
 
-<file path=ppt/slides/slide24.xml><?xml version="1.0" encoding="utf-8"?>
+<file path=ppt/slides/slide25.xml><?xml version="1.0" encoding="utf-8"?>
 <p:sld xmlns:a="http://schemas.openxmlformats.org/drawingml/2006/main" xmlns:r="http://schemas.openxmlformats.org/officeDocument/2006/relationships" xmlns:p="http://schemas.openxmlformats.org/presentationml/2006/main">
   <p:cSld>
     <p:spTree>
@@ -6150,7 +6319,7 @@
 </p:sld>
 </file>
 
-<file path=ppt/slides/slide25.xml><?xml version="1.0" encoding="utf-8"?>
+<file path=ppt/slides/slide26.xml><?xml version="1.0" encoding="utf-8"?>
 <p:sld xmlns:a="http://schemas.openxmlformats.org/drawingml/2006/main" xmlns:r="http://schemas.openxmlformats.org/officeDocument/2006/relationships" xmlns:p="http://schemas.openxmlformats.org/presentationml/2006/main">
   <p:cSld>
     <p:spTree>
@@ -6475,160 +6644,6 @@
 </p:sld>
 </file>
 
-<file path=ppt/slides/slide26.xml><?xml version="1.0" encoding="utf-8"?>
-<p:sld xmlns:a="http://schemas.openxmlformats.org/drawingml/2006/main" xmlns:r="http://schemas.openxmlformats.org/officeDocument/2006/relationships" xmlns:p="http://schemas.openxmlformats.org/presentationml/2006/main">
-  <p:cSld>
-    <p:spTree>
-      <p:nvGrpSpPr>
-        <p:cNvPr id="1" name=""/>
-        <p:cNvGrpSpPr/>
-        <p:nvPr/>
-      </p:nvGrpSpPr>
-      <p:grpSpPr>
-        <a:xfrm>
-          <a:off x="0" y="0"/>
-          <a:ext cx="0" cy="0"/>
-          <a:chOff x="0" y="0"/>
-          <a:chExt cx="0" cy="0"/>
-        </a:xfrm>
-      </p:grpSpPr>
-      <p:sp>
-        <p:nvSpPr>
-          <p:cNvPr id="2" name="제목 1"/>
-          <p:cNvSpPr>
-            <a:spLocks noGrp="1"/>
-          </p:cNvSpPr>
-          <p:nvPr>
-            <p:ph type="title"/>
-          </p:nvPr>
-        </p:nvSpPr>
-        <p:spPr/>
-        <p:txBody>
-          <a:bodyPr/>
-          <a:lstStyle/>
-          <a:p>
-            <a:r>
-              <a:rPr lang="en-US" altLang="ko-KR" dirty="0" smtClean="0"/>
-              <a:t>2</a:t>
-            </a:r>
-            <a:r>
-              <a:rPr lang="ko-KR" altLang="en-US" dirty="0" smtClean="0"/>
-              <a:t>주차 첫 번째</a:t>
-            </a:r>
-            <a:endParaRPr lang="ko-KR" altLang="en-US" dirty="0"/>
-          </a:p>
-        </p:txBody>
-      </p:sp>
-      <p:pic>
-        <p:nvPicPr>
-          <p:cNvPr id="5" name="그림 4"/>
-          <p:cNvPicPr>
-            <a:picLocks noChangeAspect="1"/>
-          </p:cNvPicPr>
-          <p:nvPr/>
-        </p:nvPicPr>
-        <p:blipFill>
-          <a:blip r:embed="rId2">
-            <a:extLst>
-              <a:ext uri="{28A0092B-C50C-407E-A947-70E740481C1C}">
-                <a14:useLocalDpi xmlns:a14="http://schemas.microsoft.com/office/drawing/2010/main"/>
-              </a:ext>
-            </a:extLst>
-          </a:blip>
-          <a:stretch>
-            <a:fillRect/>
-          </a:stretch>
-        </p:blipFill>
-        <p:spPr>
-          <a:xfrm>
-            <a:off x="560279" y="908720"/>
-            <a:ext cx="8023442" cy="921752"/>
-          </a:xfrm>
-          <a:prstGeom prst="rect">
-            <a:avLst/>
-          </a:prstGeom>
-        </p:spPr>
-      </p:pic>
-      <p:pic>
-        <p:nvPicPr>
-          <p:cNvPr id="3" name="그림 2"/>
-          <p:cNvPicPr>
-            <a:picLocks noChangeAspect="1"/>
-          </p:cNvPicPr>
-          <p:nvPr/>
-        </p:nvPicPr>
-        <p:blipFill>
-          <a:blip r:embed="rId3">
-            <a:extLst>
-              <a:ext uri="{28A0092B-C50C-407E-A947-70E740481C1C}">
-                <a14:useLocalDpi xmlns:a14="http://schemas.microsoft.com/office/drawing/2010/main"/>
-              </a:ext>
-            </a:extLst>
-          </a:blip>
-          <a:stretch>
-            <a:fillRect/>
-          </a:stretch>
-        </p:blipFill>
-        <p:spPr>
-          <a:xfrm>
-            <a:off x="560279" y="3856228"/>
-            <a:ext cx="4473038" cy="1876444"/>
-          </a:xfrm>
-          <a:prstGeom prst="rect">
-            <a:avLst/>
-          </a:prstGeom>
-        </p:spPr>
-      </p:pic>
-      <p:pic>
-        <p:nvPicPr>
-          <p:cNvPr id="6" name="그림 5"/>
-          <p:cNvPicPr>
-            <a:picLocks noChangeAspect="1"/>
-          </p:cNvPicPr>
-          <p:nvPr/>
-        </p:nvPicPr>
-        <p:blipFill>
-          <a:blip r:embed="rId4">
-            <a:extLst>
-              <a:ext uri="{28A0092B-C50C-407E-A947-70E740481C1C}">
-                <a14:useLocalDpi xmlns:a14="http://schemas.microsoft.com/office/drawing/2010/main"/>
-              </a:ext>
-            </a:extLst>
-          </a:blip>
-          <a:stretch>
-            <a:fillRect/>
-          </a:stretch>
-        </p:blipFill>
-        <p:spPr>
-          <a:xfrm>
-            <a:off x="5724128" y="2648173"/>
-            <a:ext cx="2664296" cy="3095760"/>
-          </a:xfrm>
-          <a:prstGeom prst="rect">
-            <a:avLst/>
-          </a:prstGeom>
-        </p:spPr>
-      </p:pic>
-    </p:spTree>
-    <p:extLst>
-      <p:ext uri="{BB962C8B-B14F-4D97-AF65-F5344CB8AC3E}">
-        <p14:creationId xmlns:p14="http://schemas.microsoft.com/office/powerpoint/2010/main" val="1426831297"/>
-      </p:ext>
-    </p:extLst>
-  </p:cSld>
-  <p:clrMapOvr>
-    <a:masterClrMapping/>
-  </p:clrMapOvr>
-  <p:timing>
-    <p:tnLst>
-      <p:par>
-        <p:cTn id="1" dur="indefinite" restart="never" nodeType="tmRoot"/>
-      </p:par>
-    </p:tnLst>
-  </p:timing>
-</p:sld>
-</file>
-
 <file path=ppt/slides/slide27.xml><?xml version="1.0" encoding="utf-8"?>
 <p:sld xmlns:a="http://schemas.openxmlformats.org/drawingml/2006/main" xmlns:r="http://schemas.openxmlformats.org/officeDocument/2006/relationships" xmlns:p="http://schemas.openxmlformats.org/presentationml/2006/main">
   <p:cSld>
@@ -6695,8 +6710,8 @@
         </p:blipFill>
         <p:spPr>
           <a:xfrm>
-            <a:off x="560279" y="1050125"/>
-            <a:ext cx="8023442" cy="638942"/>
+            <a:off x="560279" y="908720"/>
+            <a:ext cx="8023442" cy="921752"/>
           </a:xfrm>
           <a:prstGeom prst="rect">
             <a:avLst/>
@@ -6725,8 +6740,8 @@
         </p:blipFill>
         <p:spPr>
           <a:xfrm>
-            <a:off x="534748" y="2348880"/>
-            <a:ext cx="5277655" cy="1819881"/>
+            <a:off x="560279" y="3856228"/>
+            <a:ext cx="4473038" cy="1876444"/>
           </a:xfrm>
           <a:prstGeom prst="rect">
             <a:avLst/>
@@ -6742,7 +6757,7 @@
           <p:nvPr/>
         </p:nvPicPr>
         <p:blipFill>
-          <a:blip r:embed="rId4" cstate="email">
+          <a:blip r:embed="rId4">
             <a:extLst>
               <a:ext uri="{28A0092B-C50C-407E-A947-70E740481C1C}">
                 <a14:useLocalDpi xmlns:a14="http://schemas.microsoft.com/office/drawing/2010/main"/>
@@ -6755,8 +6770,162 @@
         </p:blipFill>
         <p:spPr>
           <a:xfrm>
-            <a:off x="6013494" y="2348880"/>
-            <a:ext cx="2570227" cy="3589139"/>
+            <a:off x="5724128" y="2648173"/>
+            <a:ext cx="2664296" cy="3095760"/>
+          </a:xfrm>
+          <a:prstGeom prst="rect">
+            <a:avLst/>
+          </a:prstGeom>
+        </p:spPr>
+      </p:pic>
+    </p:spTree>
+    <p:extLst>
+      <p:ext uri="{BB962C8B-B14F-4D97-AF65-F5344CB8AC3E}">
+        <p14:creationId xmlns:p14="http://schemas.microsoft.com/office/powerpoint/2010/main" val="1426831297"/>
+      </p:ext>
+    </p:extLst>
+  </p:cSld>
+  <p:clrMapOvr>
+    <a:masterClrMapping/>
+  </p:clrMapOvr>
+  <p:timing>
+    <p:tnLst>
+      <p:par>
+        <p:cTn id="1" dur="indefinite" restart="never" nodeType="tmRoot"/>
+      </p:par>
+    </p:tnLst>
+  </p:timing>
+</p:sld>
+</file>
+
+<file path=ppt/slides/slide28.xml><?xml version="1.0" encoding="utf-8"?>
+<p:sld xmlns:a="http://schemas.openxmlformats.org/drawingml/2006/main" xmlns:r="http://schemas.openxmlformats.org/officeDocument/2006/relationships" xmlns:p="http://schemas.openxmlformats.org/presentationml/2006/main">
+  <p:cSld>
+    <p:spTree>
+      <p:nvGrpSpPr>
+        <p:cNvPr id="1" name=""/>
+        <p:cNvGrpSpPr/>
+        <p:nvPr/>
+      </p:nvGrpSpPr>
+      <p:grpSpPr>
+        <a:xfrm>
+          <a:off x="0" y="0"/>
+          <a:ext cx="0" cy="0"/>
+          <a:chOff x="0" y="0"/>
+          <a:chExt cx="0" cy="0"/>
+        </a:xfrm>
+      </p:grpSpPr>
+      <p:sp>
+        <p:nvSpPr>
+          <p:cNvPr id="2" name="제목 1"/>
+          <p:cNvSpPr>
+            <a:spLocks noGrp="1"/>
+          </p:cNvSpPr>
+          <p:nvPr>
+            <p:ph type="title"/>
+          </p:nvPr>
+        </p:nvSpPr>
+        <p:spPr/>
+        <p:txBody>
+          <a:bodyPr/>
+          <a:lstStyle/>
+          <a:p>
+            <a:r>
+              <a:rPr lang="en-US" altLang="ko-KR" dirty="0" smtClean="0"/>
+              <a:t>2</a:t>
+            </a:r>
+            <a:r>
+              <a:rPr lang="ko-KR" altLang="en-US" dirty="0" smtClean="0"/>
+              <a:t>주차 첫 번째</a:t>
+            </a:r>
+            <a:endParaRPr lang="ko-KR" altLang="en-US" dirty="0"/>
+          </a:p>
+        </p:txBody>
+      </p:sp>
+      <p:pic>
+        <p:nvPicPr>
+          <p:cNvPr id="5" name="그림 4"/>
+          <p:cNvPicPr>
+            <a:picLocks noChangeAspect="1"/>
+          </p:cNvPicPr>
+          <p:nvPr/>
+        </p:nvPicPr>
+        <p:blipFill>
+          <a:blip r:embed="rId2">
+            <a:extLst>
+              <a:ext uri="{28A0092B-C50C-407E-A947-70E740481C1C}">
+                <a14:useLocalDpi xmlns:a14="http://schemas.microsoft.com/office/drawing/2010/main"/>
+              </a:ext>
+            </a:extLst>
+          </a:blip>
+          <a:stretch>
+            <a:fillRect/>
+          </a:stretch>
+        </p:blipFill>
+        <p:spPr>
+          <a:xfrm>
+            <a:off x="560279" y="1050125"/>
+            <a:ext cx="8023442" cy="638942"/>
+          </a:xfrm>
+          <a:prstGeom prst="rect">
+            <a:avLst/>
+          </a:prstGeom>
+        </p:spPr>
+      </p:pic>
+      <p:pic>
+        <p:nvPicPr>
+          <p:cNvPr id="3" name="그림 2"/>
+          <p:cNvPicPr>
+            <a:picLocks noChangeAspect="1"/>
+          </p:cNvPicPr>
+          <p:nvPr/>
+        </p:nvPicPr>
+        <p:blipFill>
+          <a:blip r:embed="rId3">
+            <a:extLst>
+              <a:ext uri="{28A0092B-C50C-407E-A947-70E740481C1C}">
+                <a14:useLocalDpi xmlns:a14="http://schemas.microsoft.com/office/drawing/2010/main"/>
+              </a:ext>
+            </a:extLst>
+          </a:blip>
+          <a:stretch>
+            <a:fillRect/>
+          </a:stretch>
+        </p:blipFill>
+        <p:spPr>
+          <a:xfrm>
+            <a:off x="534748" y="2348880"/>
+            <a:ext cx="5277655" cy="1819881"/>
+          </a:xfrm>
+          <a:prstGeom prst="rect">
+            <a:avLst/>
+          </a:prstGeom>
+        </p:spPr>
+      </p:pic>
+      <p:pic>
+        <p:nvPicPr>
+          <p:cNvPr id="6" name="그림 5"/>
+          <p:cNvPicPr>
+            <a:picLocks noChangeAspect="1"/>
+          </p:cNvPicPr>
+          <p:nvPr/>
+        </p:nvPicPr>
+        <p:blipFill>
+          <a:blip r:embed="rId4">
+            <a:extLst>
+              <a:ext uri="{28A0092B-C50C-407E-A947-70E740481C1C}">
+                <a14:useLocalDpi xmlns:a14="http://schemas.microsoft.com/office/drawing/2010/main" val="0"/>
+              </a:ext>
+            </a:extLst>
+          </a:blip>
+          <a:stretch>
+            <a:fillRect/>
+          </a:stretch>
+        </p:blipFill>
+        <p:spPr>
+          <a:xfrm>
+            <a:off x="6013494" y="2348881"/>
+            <a:ext cx="2570227" cy="3589138"/>
           </a:xfrm>
           <a:prstGeom prst="rect">
             <a:avLst/>
@@ -6936,7 +7105,7 @@
 </p:sld>
 </file>
 
-<file path=ppt/slides/slide28.xml><?xml version="1.0" encoding="utf-8"?>
+<file path=ppt/slides/slide29.xml><?xml version="1.0" encoding="utf-8"?>
 <p:sld xmlns:a="http://schemas.openxmlformats.org/drawingml/2006/main" xmlns:r="http://schemas.openxmlformats.org/officeDocument/2006/relationships" xmlns:p="http://schemas.openxmlformats.org/presentationml/2006/main">
   <p:cSld>
     <p:spTree>
@@ -7029,7 +7198,212 @@
 </p:sld>
 </file>
 
-<file path=ppt/slides/slide29.xml><?xml version="1.0" encoding="utf-8"?>
+<file path=ppt/slides/slide3.xml><?xml version="1.0" encoding="utf-8"?>
+<p:sld xmlns:a="http://schemas.openxmlformats.org/drawingml/2006/main" xmlns:r="http://schemas.openxmlformats.org/officeDocument/2006/relationships" xmlns:p="http://schemas.openxmlformats.org/presentationml/2006/main">
+  <p:cSld>
+    <p:spTree>
+      <p:nvGrpSpPr>
+        <p:cNvPr id="1" name=""/>
+        <p:cNvGrpSpPr/>
+        <p:nvPr/>
+      </p:nvGrpSpPr>
+      <p:grpSpPr>
+        <a:xfrm>
+          <a:off x="0" y="0"/>
+          <a:ext cx="0" cy="0"/>
+          <a:chOff x="0" y="0"/>
+          <a:chExt cx="0" cy="0"/>
+        </a:xfrm>
+      </p:grpSpPr>
+      <p:sp>
+        <p:nvSpPr>
+          <p:cNvPr id="2" name="제목 1"/>
+          <p:cNvSpPr>
+            <a:spLocks noGrp="1"/>
+          </p:cNvSpPr>
+          <p:nvPr>
+            <p:ph type="title"/>
+          </p:nvPr>
+        </p:nvSpPr>
+        <p:spPr/>
+        <p:txBody>
+          <a:bodyPr/>
+          <a:lstStyle/>
+          <a:p>
+            <a:r>
+              <a:rPr lang="en-US" altLang="ko-KR" dirty="0" smtClean="0"/>
+              <a:t>1</a:t>
+            </a:r>
+            <a:r>
+              <a:rPr lang="ko-KR" altLang="en-US" dirty="0" smtClean="0"/>
+              <a:t>주차 첫 번째</a:t>
+            </a:r>
+            <a:endParaRPr lang="ko-KR" altLang="en-US" dirty="0"/>
+          </a:p>
+        </p:txBody>
+      </p:sp>
+      <p:pic>
+        <p:nvPicPr>
+          <p:cNvPr id="3" name="그림 2"/>
+          <p:cNvPicPr>
+            <a:picLocks noChangeAspect="1"/>
+          </p:cNvPicPr>
+          <p:nvPr/>
+        </p:nvPicPr>
+        <p:blipFill rotWithShape="1">
+          <a:blip r:embed="rId2" cstate="print">
+            <a:extLst>
+              <a:ext uri="{28A0092B-C50C-407E-A947-70E740481C1C}">
+                <a14:useLocalDpi xmlns:a14="http://schemas.microsoft.com/office/drawing/2010/main" val="0"/>
+              </a:ext>
+            </a:extLst>
+          </a:blip>
+          <a:srcRect/>
+          <a:stretch/>
+        </p:blipFill>
+        <p:spPr>
+          <a:xfrm>
+            <a:off x="1068085" y="1196752"/>
+            <a:ext cx="7007830" cy="5472608"/>
+          </a:xfrm>
+          <a:prstGeom prst="rect">
+            <a:avLst/>
+          </a:prstGeom>
+        </p:spPr>
+      </p:pic>
+      <p:sp>
+        <p:nvSpPr>
+          <p:cNvPr id="4" name="직사각형 3"/>
+          <p:cNvSpPr/>
+          <p:nvPr/>
+        </p:nvSpPr>
+        <p:spPr>
+          <a:xfrm>
+            <a:off x="1068085" y="1196752"/>
+            <a:ext cx="5592147" cy="5256584"/>
+          </a:xfrm>
+          <a:prstGeom prst="rect">
+            <a:avLst/>
+          </a:prstGeom>
+          <a:noFill/>
+          <a:ln w="38100">
+            <a:solidFill>
+              <a:srgbClr val="C00000"/>
+            </a:solidFill>
+          </a:ln>
+        </p:spPr>
+        <p:style>
+          <a:lnRef idx="2">
+            <a:schemeClr val="accent1">
+              <a:shade val="50000"/>
+            </a:schemeClr>
+          </a:lnRef>
+          <a:fillRef idx="1">
+            <a:schemeClr val="accent1"/>
+          </a:fillRef>
+          <a:effectRef idx="0">
+            <a:schemeClr val="accent1"/>
+          </a:effectRef>
+          <a:fontRef idx="minor">
+            <a:schemeClr val="lt1"/>
+          </a:fontRef>
+        </p:style>
+        <p:txBody>
+          <a:bodyPr rtlCol="0" anchor="ctr"/>
+          <a:lstStyle/>
+          <a:p>
+            <a:pPr algn="ctr"/>
+            <a:endParaRPr lang="ko-KR" altLang="en-US"/>
+          </a:p>
+        </p:txBody>
+      </p:sp>
+      <p:sp>
+        <p:nvSpPr>
+          <p:cNvPr id="6" name="직사각형 5"/>
+          <p:cNvSpPr/>
+          <p:nvPr/>
+        </p:nvSpPr>
+        <p:spPr>
+          <a:xfrm>
+            <a:off x="6876256" y="1196752"/>
+            <a:ext cx="2016224" cy="1224136"/>
+          </a:xfrm>
+          <a:prstGeom prst="rect">
+            <a:avLst/>
+          </a:prstGeom>
+          <a:noFill/>
+          <a:ln>
+            <a:solidFill>
+              <a:schemeClr val="tx1"/>
+            </a:solidFill>
+          </a:ln>
+        </p:spPr>
+        <p:style>
+          <a:lnRef idx="2">
+            <a:schemeClr val="accent1">
+              <a:shade val="50000"/>
+            </a:schemeClr>
+          </a:lnRef>
+          <a:fillRef idx="1">
+            <a:schemeClr val="accent1"/>
+          </a:fillRef>
+          <a:effectRef idx="0">
+            <a:schemeClr val="accent1"/>
+          </a:effectRef>
+          <a:fontRef idx="minor">
+            <a:schemeClr val="lt1"/>
+          </a:fontRef>
+        </p:style>
+        <p:txBody>
+          <a:bodyPr rtlCol="0" anchor="ctr"/>
+          <a:lstStyle/>
+          <a:p>
+            <a:pPr algn="ctr"/>
+            <a:r>
+              <a:rPr lang="en-US" altLang="ko-KR" dirty="0" smtClean="0">
+                <a:solidFill>
+                  <a:schemeClr val="tx1"/>
+                </a:solidFill>
+              </a:rPr>
+              <a:t>Content </a:t>
+            </a:r>
+            <a:r>
+              <a:rPr lang="ko-KR" altLang="en-US" dirty="0" smtClean="0">
+                <a:solidFill>
+                  <a:schemeClr val="tx1"/>
+                </a:solidFill>
+              </a:rPr>
+              <a:t>영역</a:t>
+            </a:r>
+            <a:endParaRPr lang="en-US" altLang="ko-KR" dirty="0" smtClean="0">
+              <a:solidFill>
+                <a:schemeClr val="tx1"/>
+              </a:solidFill>
+            </a:endParaRPr>
+          </a:p>
+        </p:txBody>
+      </p:sp>
+    </p:spTree>
+    <p:extLst>
+      <p:ext uri="{BB962C8B-B14F-4D97-AF65-F5344CB8AC3E}">
+        <p14:creationId xmlns:p14="http://schemas.microsoft.com/office/powerpoint/2010/main" val="85632997"/>
+      </p:ext>
+    </p:extLst>
+  </p:cSld>
+  <p:clrMapOvr>
+    <a:masterClrMapping/>
+  </p:clrMapOvr>
+  <p:timing>
+    <p:tnLst>
+      <p:par>
+        <p:cTn id="1" dur="indefinite" restart="never" nodeType="tmRoot"/>
+      </p:par>
+    </p:tnLst>
+  </p:timing>
+</p:sld>
+</file>
+
+<file path=ppt/slides/slide30.xml><?xml version="1.0" encoding="utf-8"?>
 <p:sld xmlns:a="http://schemas.openxmlformats.org/drawingml/2006/main" xmlns:r="http://schemas.openxmlformats.org/officeDocument/2006/relationships" xmlns:p="http://schemas.openxmlformats.org/presentationml/2006/main">
   <p:cSld>
     <p:spTree>
@@ -7455,212 +7829,7 @@
 </p:sld>
 </file>
 
-<file path=ppt/slides/slide3.xml><?xml version="1.0" encoding="utf-8"?>
-<p:sld xmlns:a="http://schemas.openxmlformats.org/drawingml/2006/main" xmlns:r="http://schemas.openxmlformats.org/officeDocument/2006/relationships" xmlns:p="http://schemas.openxmlformats.org/presentationml/2006/main">
-  <p:cSld>
-    <p:spTree>
-      <p:nvGrpSpPr>
-        <p:cNvPr id="1" name=""/>
-        <p:cNvGrpSpPr/>
-        <p:nvPr/>
-      </p:nvGrpSpPr>
-      <p:grpSpPr>
-        <a:xfrm>
-          <a:off x="0" y="0"/>
-          <a:ext cx="0" cy="0"/>
-          <a:chOff x="0" y="0"/>
-          <a:chExt cx="0" cy="0"/>
-        </a:xfrm>
-      </p:grpSpPr>
-      <p:sp>
-        <p:nvSpPr>
-          <p:cNvPr id="2" name="제목 1"/>
-          <p:cNvSpPr>
-            <a:spLocks noGrp="1"/>
-          </p:cNvSpPr>
-          <p:nvPr>
-            <p:ph type="title"/>
-          </p:nvPr>
-        </p:nvSpPr>
-        <p:spPr/>
-        <p:txBody>
-          <a:bodyPr/>
-          <a:lstStyle/>
-          <a:p>
-            <a:r>
-              <a:rPr lang="en-US" altLang="ko-KR" dirty="0" smtClean="0"/>
-              <a:t>1</a:t>
-            </a:r>
-            <a:r>
-              <a:rPr lang="ko-KR" altLang="en-US" dirty="0" smtClean="0"/>
-              <a:t>주차 첫 번째</a:t>
-            </a:r>
-            <a:endParaRPr lang="ko-KR" altLang="en-US" dirty="0"/>
-          </a:p>
-        </p:txBody>
-      </p:sp>
-      <p:pic>
-        <p:nvPicPr>
-          <p:cNvPr id="3" name="그림 2"/>
-          <p:cNvPicPr>
-            <a:picLocks noChangeAspect="1"/>
-          </p:cNvPicPr>
-          <p:nvPr/>
-        </p:nvPicPr>
-        <p:blipFill rotWithShape="1">
-          <a:blip r:embed="rId2" cstate="print">
-            <a:extLst>
-              <a:ext uri="{28A0092B-C50C-407E-A947-70E740481C1C}">
-                <a14:useLocalDpi xmlns:a14="http://schemas.microsoft.com/office/drawing/2010/main" val="0"/>
-              </a:ext>
-            </a:extLst>
-          </a:blip>
-          <a:srcRect/>
-          <a:stretch/>
-        </p:blipFill>
-        <p:spPr>
-          <a:xfrm>
-            <a:off x="1068085" y="1196752"/>
-            <a:ext cx="7007830" cy="5472608"/>
-          </a:xfrm>
-          <a:prstGeom prst="rect">
-            <a:avLst/>
-          </a:prstGeom>
-        </p:spPr>
-      </p:pic>
-      <p:sp>
-        <p:nvSpPr>
-          <p:cNvPr id="4" name="직사각형 3"/>
-          <p:cNvSpPr/>
-          <p:nvPr/>
-        </p:nvSpPr>
-        <p:spPr>
-          <a:xfrm>
-            <a:off x="1068085" y="1196752"/>
-            <a:ext cx="5592147" cy="5256584"/>
-          </a:xfrm>
-          <a:prstGeom prst="rect">
-            <a:avLst/>
-          </a:prstGeom>
-          <a:noFill/>
-          <a:ln w="38100">
-            <a:solidFill>
-              <a:srgbClr val="C00000"/>
-            </a:solidFill>
-          </a:ln>
-        </p:spPr>
-        <p:style>
-          <a:lnRef idx="2">
-            <a:schemeClr val="accent1">
-              <a:shade val="50000"/>
-            </a:schemeClr>
-          </a:lnRef>
-          <a:fillRef idx="1">
-            <a:schemeClr val="accent1"/>
-          </a:fillRef>
-          <a:effectRef idx="0">
-            <a:schemeClr val="accent1"/>
-          </a:effectRef>
-          <a:fontRef idx="minor">
-            <a:schemeClr val="lt1"/>
-          </a:fontRef>
-        </p:style>
-        <p:txBody>
-          <a:bodyPr rtlCol="0" anchor="ctr"/>
-          <a:lstStyle/>
-          <a:p>
-            <a:pPr algn="ctr"/>
-            <a:endParaRPr lang="ko-KR" altLang="en-US"/>
-          </a:p>
-        </p:txBody>
-      </p:sp>
-      <p:sp>
-        <p:nvSpPr>
-          <p:cNvPr id="6" name="직사각형 5"/>
-          <p:cNvSpPr/>
-          <p:nvPr/>
-        </p:nvSpPr>
-        <p:spPr>
-          <a:xfrm>
-            <a:off x="6876256" y="1196752"/>
-            <a:ext cx="2016224" cy="1224136"/>
-          </a:xfrm>
-          <a:prstGeom prst="rect">
-            <a:avLst/>
-          </a:prstGeom>
-          <a:noFill/>
-          <a:ln>
-            <a:solidFill>
-              <a:schemeClr val="tx1"/>
-            </a:solidFill>
-          </a:ln>
-        </p:spPr>
-        <p:style>
-          <a:lnRef idx="2">
-            <a:schemeClr val="accent1">
-              <a:shade val="50000"/>
-            </a:schemeClr>
-          </a:lnRef>
-          <a:fillRef idx="1">
-            <a:schemeClr val="accent1"/>
-          </a:fillRef>
-          <a:effectRef idx="0">
-            <a:schemeClr val="accent1"/>
-          </a:effectRef>
-          <a:fontRef idx="minor">
-            <a:schemeClr val="lt1"/>
-          </a:fontRef>
-        </p:style>
-        <p:txBody>
-          <a:bodyPr rtlCol="0" anchor="ctr"/>
-          <a:lstStyle/>
-          <a:p>
-            <a:pPr algn="ctr"/>
-            <a:r>
-              <a:rPr lang="en-US" altLang="ko-KR" dirty="0" smtClean="0">
-                <a:solidFill>
-                  <a:schemeClr val="tx1"/>
-                </a:solidFill>
-              </a:rPr>
-              <a:t>Content </a:t>
-            </a:r>
-            <a:r>
-              <a:rPr lang="ko-KR" altLang="en-US" dirty="0" smtClean="0">
-                <a:solidFill>
-                  <a:schemeClr val="tx1"/>
-                </a:solidFill>
-              </a:rPr>
-              <a:t>영역</a:t>
-            </a:r>
-            <a:endParaRPr lang="en-US" altLang="ko-KR" dirty="0" smtClean="0">
-              <a:solidFill>
-                <a:schemeClr val="tx1"/>
-              </a:solidFill>
-            </a:endParaRPr>
-          </a:p>
-        </p:txBody>
-      </p:sp>
-    </p:spTree>
-    <p:extLst>
-      <p:ext uri="{BB962C8B-B14F-4D97-AF65-F5344CB8AC3E}">
-        <p14:creationId xmlns:p14="http://schemas.microsoft.com/office/powerpoint/2010/main" val="85632997"/>
-      </p:ext>
-    </p:extLst>
-  </p:cSld>
-  <p:clrMapOvr>
-    <a:masterClrMapping/>
-  </p:clrMapOvr>
-  <p:timing>
-    <p:tnLst>
-      <p:par>
-        <p:cTn id="1" dur="indefinite" restart="never" nodeType="tmRoot"/>
-      </p:par>
-    </p:tnLst>
-  </p:timing>
-</p:sld>
-</file>
-
-<file path=ppt/slides/slide30.xml><?xml version="1.0" encoding="utf-8"?>
+<file path=ppt/slides/slide31.xml><?xml version="1.0" encoding="utf-8"?>
 <p:sld xmlns:a="http://schemas.openxmlformats.org/drawingml/2006/main" xmlns:r="http://schemas.openxmlformats.org/officeDocument/2006/relationships" xmlns:p="http://schemas.openxmlformats.org/presentationml/2006/main">
   <p:cSld>
     <p:spTree>
@@ -8086,7 +8255,7 @@
 </p:sld>
 </file>
 
-<file path=ppt/slides/slide31.xml><?xml version="1.0" encoding="utf-8"?>
+<file path=ppt/slides/slide32.xml><?xml version="1.0" encoding="utf-8"?>
 <p:sld xmlns:a="http://schemas.openxmlformats.org/drawingml/2006/main" xmlns:r="http://schemas.openxmlformats.org/officeDocument/2006/relationships" xmlns:p="http://schemas.openxmlformats.org/presentationml/2006/main">
   <p:cSld>
     <p:spTree>
@@ -8411,7 +8580,7 @@
 </p:sld>
 </file>
 
-<file path=ppt/slides/slide32.xml><?xml version="1.0" encoding="utf-8"?>
+<file path=ppt/slides/slide33.xml><?xml version="1.0" encoding="utf-8"?>
 <p:sld xmlns:a="http://schemas.openxmlformats.org/drawingml/2006/main" xmlns:r="http://schemas.openxmlformats.org/officeDocument/2006/relationships" xmlns:p="http://schemas.openxmlformats.org/presentationml/2006/main">
   <p:cSld>
     <p:spTree>
@@ -8717,7 +8886,7 @@
 </p:sld>
 </file>
 
-<file path=ppt/slides/slide33.xml><?xml version="1.0" encoding="utf-8"?>
+<file path=ppt/slides/slide34.xml><?xml version="1.0" encoding="utf-8"?>
 <p:sld xmlns:a="http://schemas.openxmlformats.org/drawingml/2006/main" xmlns:r="http://schemas.openxmlformats.org/officeDocument/2006/relationships" xmlns:p="http://schemas.openxmlformats.org/presentationml/2006/main">
   <p:cSld>
     <p:spTree>
@@ -8788,12 +8957,13 @@
             </a:r>
             <a:r>
               <a:rPr lang="ko-KR" altLang="en-US" sz="2400" dirty="0" smtClean="0"/>
-              <a:t>가 없어서 불편함을 느낌</a:t>
+              <a:t>가 없어서 불편함을 </a:t>
             </a:r>
             <a:r>
-              <a:rPr lang="en-US" altLang="ko-KR" sz="2400" dirty="0" smtClean="0"/>
-              <a:t>.</a:t>
+              <a:rPr lang="ko-KR" altLang="en-US" sz="2400" dirty="0" smtClean="0"/>
+              <a:t>느낌</a:t>
             </a:r>
+            <a:endParaRPr lang="en-US" altLang="ko-KR" sz="2400" dirty="0" smtClean="0"/>
           </a:p>
           <a:p>
             <a:pPr marL="342900" indent="-342900">
